--- a/docs/Курсовая Презентация.pptx
+++ b/docs/Курсовая Презентация.pptx
@@ -329,7 +329,7 @@
             <a:pPr rtl="0"/>
             <a:fld id="{B4E3835E-24B0-496B-96EE-067346D27389}" type="datetime1">
               <a:rPr lang="ru-RU" smtClean="0"/>
-              <a:t>31.05.2023</a:t>
+              <a:t>08.06.2023</a:t>
             </a:fld>
             <a:endParaRPr lang="ru-RU" dirty="0"/>
           </a:p>
@@ -499,7 +499,7 @@
             <a:fld id="{FF2ED697-B44C-4067-9866-37A6A4B979E8}" type="datetime1">
               <a:rPr lang="ru-RU" smtClean="0"/>
               <a:pPr/>
-              <a:t>31.05.2023</a:t>
+              <a:t>08.06.2023</a:t>
             </a:fld>
             <a:endParaRPr lang="ru-RU" dirty="0"/>
           </a:p>
@@ -2280,7 +2280,7 @@
             <a:pPr rtl="0"/>
             <a:fld id="{F3ED926C-3983-4EBD-9E2A-A8FC299BBE10}" type="datetime1">
               <a:rPr lang="ru-RU" noProof="0" smtClean="0"/>
-              <a:t>31.05.2023</a:t>
+              <a:t>08.06.2023</a:t>
             </a:fld>
             <a:endParaRPr lang="ru-RU" noProof="0" dirty="0"/>
           </a:p>
@@ -2542,7 +2542,7 @@
             <a:pPr rtl="0"/>
             <a:fld id="{BF8A22AC-47C1-4F47-A76D-35CEC9F519B5}" type="datetime1">
               <a:rPr lang="ru-RU" noProof="0" smtClean="0"/>
-              <a:t>31.05.2023</a:t>
+              <a:t>08.06.2023</a:t>
             </a:fld>
             <a:endParaRPr lang="ru-RU" noProof="0" dirty="0"/>
           </a:p>
@@ -2716,7 +2716,7 @@
             <a:pPr rtl="0"/>
             <a:fld id="{9E6A2E8C-46FA-428B-B468-12C757CC4BC2}" type="datetime1">
               <a:rPr lang="ru-RU" noProof="0" smtClean="0"/>
-              <a:t>31.05.2023</a:t>
+              <a:t>08.06.2023</a:t>
             </a:fld>
             <a:endParaRPr lang="ru-RU" noProof="0" dirty="0"/>
           </a:p>
@@ -2900,7 +2900,7 @@
             <a:pPr rtl="0"/>
             <a:fld id="{7178081D-AB76-4C60-897F-0ABDDC97887D}" type="datetime1">
               <a:rPr lang="ru-RU" noProof="0" smtClean="0"/>
-              <a:t>31.05.2023</a:t>
+              <a:t>08.06.2023</a:t>
             </a:fld>
             <a:endParaRPr lang="ru-RU" noProof="0" dirty="0"/>
           </a:p>
@@ -3074,7 +3074,7 @@
             <a:pPr rtl="0"/>
             <a:fld id="{85FE5434-280B-4785-86F9-86B76E5982C1}" type="datetime1">
               <a:rPr lang="ru-RU" noProof="0" smtClean="0"/>
-              <a:t>31.05.2023</a:t>
+              <a:t>08.06.2023</a:t>
             </a:fld>
             <a:endParaRPr lang="ru-RU" noProof="0" dirty="0"/>
           </a:p>
@@ -3324,7 +3324,7 @@
             <a:pPr rtl="0"/>
             <a:fld id="{4B88D45C-BCD0-43BA-83C2-F6F0B37895D4}" type="datetime1">
               <a:rPr lang="ru-RU" noProof="0" smtClean="0"/>
-              <a:t>31.05.2023</a:t>
+              <a:t>08.06.2023</a:t>
             </a:fld>
             <a:endParaRPr lang="ru-RU" noProof="0" dirty="0"/>
           </a:p>
@@ -3560,7 +3560,7 @@
             <a:pPr rtl="0"/>
             <a:fld id="{F33C1669-8B1C-4123-9784-A18D8F22C4F8}" type="datetime1">
               <a:rPr lang="ru-RU" noProof="0" smtClean="0"/>
-              <a:t>31.05.2023</a:t>
+              <a:t>08.06.2023</a:t>
             </a:fld>
             <a:endParaRPr lang="ru-RU" noProof="0" dirty="0"/>
           </a:p>
@@ -3931,7 +3931,7 @@
             <a:pPr rtl="0"/>
             <a:fld id="{0121868B-CDD2-44FA-B5CE-067C1F7F78A1}" type="datetime1">
               <a:rPr lang="ru-RU" noProof="0" smtClean="0"/>
-              <a:t>31.05.2023</a:t>
+              <a:t>08.06.2023</a:t>
             </a:fld>
             <a:endParaRPr lang="ru-RU" noProof="0" dirty="0"/>
           </a:p>
@@ -4053,7 +4053,7 @@
             <a:pPr rtl="0"/>
             <a:fld id="{7A2175D3-4479-4D47-AB09-1DBF425FA495}" type="datetime1">
               <a:rPr lang="ru-RU" noProof="0" smtClean="0"/>
-              <a:t>31.05.2023</a:t>
+              <a:t>08.06.2023</a:t>
             </a:fld>
             <a:endParaRPr lang="ru-RU" noProof="0" dirty="0"/>
           </a:p>
@@ -4151,7 +4151,7 @@
             <a:pPr rtl="0"/>
             <a:fld id="{6AD94B3A-2B16-4BF1-B78B-9A711C7495E6}" type="datetime1">
               <a:rPr lang="ru-RU" noProof="0" smtClean="0"/>
-              <a:t>31.05.2023</a:t>
+              <a:t>08.06.2023</a:t>
             </a:fld>
             <a:endParaRPr lang="ru-RU" noProof="0" dirty="0"/>
           </a:p>
@@ -4458,7 +4458,7 @@
             <a:pPr rtl="0"/>
             <a:fld id="{17CD2F7B-8103-43CB-9E63-BC1602139BC6}" type="datetime1">
               <a:rPr lang="ru-RU" noProof="0" smtClean="0"/>
-              <a:t>31.05.2023</a:t>
+              <a:t>08.06.2023</a:t>
             </a:fld>
             <a:endParaRPr lang="ru-RU" noProof="0" dirty="0"/>
           </a:p>
@@ -5157,7 +5157,7 @@
             <a:pPr rtl="0"/>
             <a:fld id="{7283BC01-A590-45B6-A644-D820576B2725}" type="datetime1">
               <a:rPr lang="ru-RU" noProof="0" smtClean="0"/>
-              <a:t>31.05.2023</a:t>
+              <a:t>08.06.2023</a:t>
             </a:fld>
             <a:endParaRPr lang="ru-RU" noProof="0" dirty="0"/>
           </a:p>
@@ -5372,7 +5372,7 @@
             <a:pPr rtl="0"/>
             <a:fld id="{6E7D9D7F-03B9-42BC-8A2D-FF7FF951CD6B}" type="datetime1">
               <a:rPr lang="ru-RU" noProof="0" smtClean="0"/>
-              <a:t>31.05.2023</a:t>
+              <a:t>08.06.2023</a:t>
             </a:fld>
             <a:endParaRPr lang="ru-RU" noProof="0" dirty="0"/>
           </a:p>
@@ -5824,8 +5824,8 @@
         </p:nvSpPr>
         <p:spPr>
           <a:xfrm>
-            <a:off x="-193831" y="1062371"/>
-            <a:ext cx="12579662" cy="2430602"/>
+            <a:off x="107934" y="161885"/>
+            <a:ext cx="11976132" cy="3302251"/>
           </a:xfrm>
           <a:prstGeom prst="rect">
             <a:avLst/>
@@ -5833,7 +5833,7 @@
           <a:noFill/>
         </p:spPr>
         <p:txBody>
-          <a:bodyPr wrap="none" lIns="0" tIns="0" rIns="0" bIns="0" rtlCol="0">
+          <a:bodyPr wrap="square" lIns="0" tIns="0" rIns="0" bIns="0" rtlCol="0">
             <a:spAutoFit/>
           </a:bodyPr>
           <a:lstStyle/>
@@ -5912,7 +5912,29 @@
                 <a:ea typeface="Times New Roman" panose="02020603050405020304" pitchFamily="18" charset="0"/>
                 <a:cs typeface="Times New Roman" panose="02020603050405020304" pitchFamily="18" charset="0"/>
               </a:rPr>
-              <a:t>компьютерных наук в сервис «</a:t>
+              <a:t>компьютерных наук в сервис</a:t>
+            </a:r>
+          </a:p>
+          <a:p>
+            <a:pPr indent="450215" algn="ctr">
+              <a:lnSpc>
+                <a:spcPct val="106000"/>
+              </a:lnSpc>
+              <a:spcBef>
+                <a:spcPts val="600"/>
+              </a:spcBef>
+              <a:spcAft>
+                <a:spcPts val="600"/>
+              </a:spcAft>
+            </a:pPr>
+            <a:r>
+              <a:rPr lang="ru-RU" sz="4400" b="1" dirty="0">
+                <a:effectLst/>
+                <a:latin typeface="Monseratt"/>
+                <a:ea typeface="Times New Roman" panose="02020603050405020304" pitchFamily="18" charset="0"/>
+                <a:cs typeface="Times New Roman" panose="02020603050405020304" pitchFamily="18" charset="0"/>
+              </a:rPr>
+              <a:t>«</a:t>
             </a:r>
             <a:r>
               <a:rPr lang="en-US" sz="4400" b="1" dirty="0">
@@ -5984,8 +6006,8 @@
         </p:nvSpPr>
         <p:spPr>
           <a:xfrm>
-            <a:off x="4197927" y="5248192"/>
-            <a:ext cx="7619422" cy="1077218"/>
+            <a:off x="2405675" y="5742008"/>
+            <a:ext cx="9678391" cy="954107"/>
           </a:xfrm>
           <a:prstGeom prst="rect">
             <a:avLst/>
@@ -6000,41 +6022,48 @@
           <a:p>
             <a:pPr algn="r"/>
             <a:r>
-              <a:rPr lang="ru-RU" sz="3200" dirty="0">
+              <a:rPr lang="ru-RU" sz="2800" b="0" i="0" dirty="0">
+                <a:effectLst/>
                 <a:latin typeface="Monseratt"/>
               </a:rPr>
-              <a:t>Выполнил</a:t>
-            </a:r>
-            <a:r>
-              <a:rPr lang="en-US" sz="3200" dirty="0">
+              <a:t>Студент: </a:t>
+            </a:r>
+            <a:r>
+              <a:rPr lang="ru-RU" sz="2800" b="0" i="0" dirty="0" err="1">
+                <a:effectLst/>
                 <a:latin typeface="Monseratt"/>
               </a:rPr>
-              <a:t> </a:t>
-            </a:r>
-            <a:r>
-              <a:rPr lang="ru-RU" sz="3200" dirty="0">
+              <a:t>Змаев</a:t>
+            </a:r>
+            <a:r>
+              <a:rPr lang="ru-RU" sz="2800" b="0" i="0" dirty="0">
+                <a:effectLst/>
                 <a:latin typeface="Monseratt"/>
               </a:rPr>
-              <a:t>студент 3 курса ФКН </a:t>
-            </a:r>
-            <a:r>
-              <a:rPr lang="ru-RU" sz="3200" dirty="0" err="1">
+              <a:t> Д.А., 3 курс, 5 группа</a:t>
+            </a:r>
+            <a:br>
+              <a:rPr lang="ru-RU" sz="2800" dirty="0">
                 <a:latin typeface="Monseratt"/>
               </a:rPr>
-              <a:t>ПИвИС</a:t>
-            </a:r>
-            <a:endParaRPr lang="ru-RU" sz="3200" dirty="0">
+            </a:br>
+            <a:r>
+              <a:rPr lang="ru-RU" sz="2800" b="0" i="0" dirty="0">
+                <a:effectLst/>
+                <a:latin typeface="Monseratt"/>
+              </a:rPr>
+              <a:t>Научный руководитель: ст. преподаватель П.С. </a:t>
+            </a:r>
+            <a:r>
+              <a:rPr lang="ru-RU" sz="2800" b="0" i="0" dirty="0" err="1">
+                <a:effectLst/>
+                <a:latin typeface="Monseratt"/>
+              </a:rPr>
+              <a:t>Лысачев</a:t>
+            </a:r>
+            <a:endParaRPr lang="ru-RU" sz="2800" dirty="0">
               <a:latin typeface="Monseratt"/>
             </a:endParaRPr>
-          </a:p>
-          <a:p>
-            <a:pPr algn="r"/>
-            <a:r>
-              <a:rPr lang="ru-RU" sz="3200" dirty="0">
-                <a:latin typeface="Monseratt"/>
-              </a:rPr>
-              <a:t>Змаев Даниил</a:t>
-            </a:r>
           </a:p>
         </p:txBody>
       </p:sp>
@@ -8396,10 +8425,10 @@
       </p:sp>
       <p:sp>
         <p:nvSpPr>
-          <p:cNvPr id="9" name="TextBox 8">
+          <p:cNvPr id="2" name="TextBox 1">
             <a:extLst>
               <a:ext uri="{FF2B5EF4-FFF2-40B4-BE49-F238E27FC236}">
-                <a16:creationId xmlns:a16="http://schemas.microsoft.com/office/drawing/2014/main" id="{BEC8F967-CE5B-4A27-BB97-37D032D6A203}"/>
+                <a16:creationId xmlns:a16="http://schemas.microsoft.com/office/drawing/2014/main" id="{895ECA91-BDA4-ACBC-0CCC-79AD38048279}"/>
               </a:ext>
             </a:extLst>
           </p:cNvPr>
@@ -8408,8 +8437,8 @@
         </p:nvSpPr>
         <p:spPr>
           <a:xfrm>
-            <a:off x="4197927" y="5248192"/>
-            <a:ext cx="7619422" cy="1077218"/>
+            <a:off x="2374295" y="5318575"/>
+            <a:ext cx="9678391" cy="954107"/>
           </a:xfrm>
           <a:prstGeom prst="rect">
             <a:avLst/>
@@ -8424,41 +8453,48 @@
           <a:p>
             <a:pPr algn="r"/>
             <a:r>
-              <a:rPr lang="ru-RU" sz="3200" dirty="0">
+              <a:rPr lang="ru-RU" sz="2800" b="0" i="0" dirty="0">
+                <a:effectLst/>
                 <a:latin typeface="Monseratt"/>
               </a:rPr>
-              <a:t>Выполнил</a:t>
-            </a:r>
-            <a:r>
-              <a:rPr lang="en-US" sz="3200" dirty="0">
+              <a:t>Студент: </a:t>
+            </a:r>
+            <a:r>
+              <a:rPr lang="ru-RU" sz="2800" b="0" i="0" dirty="0" err="1">
+                <a:effectLst/>
                 <a:latin typeface="Monseratt"/>
               </a:rPr>
-              <a:t> </a:t>
-            </a:r>
-            <a:r>
-              <a:rPr lang="ru-RU" sz="3200" dirty="0">
+              <a:t>Змаев</a:t>
+            </a:r>
+            <a:r>
+              <a:rPr lang="ru-RU" sz="2800" b="0" i="0" dirty="0">
+                <a:effectLst/>
                 <a:latin typeface="Monseratt"/>
               </a:rPr>
-              <a:t>студент 3 курса ФКН </a:t>
-            </a:r>
-            <a:r>
-              <a:rPr lang="ru-RU" sz="3200" dirty="0" err="1">
+              <a:t> Д.А., 3 курс, 5 группа</a:t>
+            </a:r>
+            <a:br>
+              <a:rPr lang="ru-RU" sz="2800" dirty="0">
                 <a:latin typeface="Monseratt"/>
               </a:rPr>
-              <a:t>ПИвИС</a:t>
-            </a:r>
-            <a:endParaRPr lang="ru-RU" sz="3200" dirty="0">
+            </a:br>
+            <a:r>
+              <a:rPr lang="ru-RU" sz="2800" b="0" i="0" dirty="0">
+                <a:effectLst/>
+                <a:latin typeface="Monseratt"/>
+              </a:rPr>
+              <a:t>Научный руководитель: ст. преподаватель П.С. </a:t>
+            </a:r>
+            <a:r>
+              <a:rPr lang="ru-RU" sz="2800" b="0" i="0" dirty="0" err="1">
+                <a:effectLst/>
+                <a:latin typeface="Monseratt"/>
+              </a:rPr>
+              <a:t>Лысачев</a:t>
+            </a:r>
+            <a:endParaRPr lang="ru-RU" sz="2800" dirty="0">
               <a:latin typeface="Monseratt"/>
             </a:endParaRPr>
-          </a:p>
-          <a:p>
-            <a:pPr algn="r"/>
-            <a:r>
-              <a:rPr lang="ru-RU" sz="3200" dirty="0">
-                <a:latin typeface="Monseratt"/>
-              </a:rPr>
-              <a:t>Змаев Даниил</a:t>
-            </a:r>
           </a:p>
         </p:txBody>
       </p:sp>
@@ -10757,8 +10793,8 @@
         </p:nvSpPr>
         <p:spPr>
           <a:xfrm>
-            <a:off x="2286251" y="165381"/>
-            <a:ext cx="7619522" cy="738664"/>
+            <a:off x="2269419" y="165381"/>
+            <a:ext cx="7653185" cy="738664"/>
           </a:xfrm>
           <a:prstGeom prst="rect">
             <a:avLst/>
@@ -10780,7 +10816,7 @@
               <a:rPr lang="ru-RU" sz="4800" b="1" dirty="0">
                 <a:latin typeface="Monseratt"/>
               </a:rPr>
-              <a:t>Пользовательские сценарий</a:t>
+              <a:t>Пользовательский сценарий</a:t>
             </a:r>
           </a:p>
         </p:txBody>
